--- a/Mid-Point-Project-Presentation.pptx
+++ b/Mid-Point-Project-Presentation.pptx
@@ -5,7 +5,7 @@
     <p:sldMasterId id="2147483660" r:id="rId1"/>
   </p:sldMasterIdLst>
   <p:notesMasterIdLst>
-    <p:notesMasterId r:id="rId12"/>
+    <p:notesMasterId r:id="rId14"/>
   </p:notesMasterIdLst>
   <p:sldIdLst>
     <p:sldId id="260" r:id="rId2"/>
@@ -16,8 +16,10 @@
     <p:sldId id="265" r:id="rId7"/>
     <p:sldId id="267" r:id="rId8"/>
     <p:sldId id="269" r:id="rId9"/>
-    <p:sldId id="270" r:id="rId10"/>
-    <p:sldId id="271" r:id="rId11"/>
+    <p:sldId id="272" r:id="rId10"/>
+    <p:sldId id="273" r:id="rId11"/>
+    <p:sldId id="270" r:id="rId12"/>
+    <p:sldId id="271" r:id="rId13"/>
   </p:sldIdLst>
   <p:sldSz cx="9144000" cy="6858000" type="screen4x3"/>
   <p:notesSz cx="6858000" cy="9144000"/>
@@ -221,7 +223,7 @@
           <a:p>
             <a:fld id="{1DC38890-7B21-4576-9379-964DB0DBE7A3}" type="datetimeFigureOut">
               <a:rPr lang="en-IE" smtClean="0"/>
-              <a:t>03/12/2017</a:t>
+              <a:t>04/12/2017</a:t>
             </a:fld>
             <a:endParaRPr lang="en-IE"/>
           </a:p>
@@ -3246,7 +3248,7 @@
           <a:p>
             <a:fld id="{792754D0-D688-4E49-8FF3-F8D4FDC3B676}" type="datetimeFigureOut">
               <a:rPr lang="en-IE" smtClean="0"/>
-              <a:t>03/12/2017</a:t>
+              <a:t>04/12/2017</a:t>
             </a:fld>
             <a:endParaRPr lang="en-IE"/>
           </a:p>
@@ -3529,7 +3531,7 @@
           <a:p>
             <a:fld id="{792754D0-D688-4E49-8FF3-F8D4FDC3B676}" type="datetimeFigureOut">
               <a:rPr lang="en-IE" smtClean="0"/>
-              <a:t>03/12/2017</a:t>
+              <a:t>04/12/2017</a:t>
             </a:fld>
             <a:endParaRPr lang="en-IE"/>
           </a:p>
@@ -3702,7 +3704,7 @@
           <a:p>
             <a:fld id="{792754D0-D688-4E49-8FF3-F8D4FDC3B676}" type="datetimeFigureOut">
               <a:rPr lang="en-IE" smtClean="0"/>
-              <a:t>03/12/2017</a:t>
+              <a:t>04/12/2017</a:t>
             </a:fld>
             <a:endParaRPr lang="en-IE"/>
           </a:p>
@@ -3866,7 +3868,7 @@
           <a:p>
             <a:fld id="{792754D0-D688-4E49-8FF3-F8D4FDC3B676}" type="datetimeFigureOut">
               <a:rPr lang="en-IE" smtClean="0"/>
-              <a:t>03/12/2017</a:t>
+              <a:t>04/12/2017</a:t>
             </a:fld>
             <a:endParaRPr lang="en-IE"/>
           </a:p>
@@ -4107,7 +4109,7 @@
           <a:p>
             <a:fld id="{792754D0-D688-4E49-8FF3-F8D4FDC3B676}" type="datetimeFigureOut">
               <a:rPr lang="en-IE" smtClean="0"/>
-              <a:t>03/12/2017</a:t>
+              <a:t>04/12/2017</a:t>
             </a:fld>
             <a:endParaRPr lang="en-IE"/>
           </a:p>
@@ -4219,7 +4221,7 @@
           <a:p>
             <a:fld id="{792754D0-D688-4E49-8FF3-F8D4FDC3B676}" type="datetimeFigureOut">
               <a:rPr lang="en-IE" smtClean="0"/>
-              <a:t>03/12/2017</a:t>
+              <a:t>04/12/2017</a:t>
             </a:fld>
             <a:endParaRPr lang="en-IE"/>
           </a:p>
@@ -4756,7 +4758,7 @@
           <a:p>
             <a:fld id="{792754D0-D688-4E49-8FF3-F8D4FDC3B676}" type="datetimeFigureOut">
               <a:rPr lang="en-IE" smtClean="0"/>
-              <a:t>03/12/2017</a:t>
+              <a:t>04/12/2017</a:t>
             </a:fld>
             <a:endParaRPr lang="en-IE"/>
           </a:p>
@@ -4868,7 +4870,7 @@
           <a:p>
             <a:fld id="{792754D0-D688-4E49-8FF3-F8D4FDC3B676}" type="datetimeFigureOut">
               <a:rPr lang="en-IE" smtClean="0"/>
-              <a:t>03/12/2017</a:t>
+              <a:t>04/12/2017</a:t>
             </a:fld>
             <a:endParaRPr lang="en-IE"/>
           </a:p>
@@ -4958,7 +4960,7 @@
           <a:p>
             <a:fld id="{792754D0-D688-4E49-8FF3-F8D4FDC3B676}" type="datetimeFigureOut">
               <a:rPr lang="en-IE" smtClean="0"/>
-              <a:t>03/12/2017</a:t>
+              <a:t>04/12/2017</a:t>
             </a:fld>
             <a:endParaRPr lang="en-IE"/>
           </a:p>
@@ -7609,7 +7611,7 @@
           <a:p>
             <a:fld id="{792754D0-D688-4E49-8FF3-F8D4FDC3B676}" type="datetimeFigureOut">
               <a:rPr lang="en-IE" smtClean="0"/>
-              <a:t>03/12/2017</a:t>
+              <a:t>04/12/2017</a:t>
             </a:fld>
             <a:endParaRPr lang="en-IE"/>
           </a:p>
@@ -10819,7 +10821,7 @@
           <a:p>
             <a:fld id="{792754D0-D688-4E49-8FF3-F8D4FDC3B676}" type="datetimeFigureOut">
               <a:rPr lang="en-IE" smtClean="0"/>
-              <a:t>03/12/2017</a:t>
+              <a:t>04/12/2017</a:t>
             </a:fld>
             <a:endParaRPr lang="en-IE"/>
           </a:p>
@@ -13641,7 +13643,7 @@
           <a:p>
             <a:fld id="{792754D0-D688-4E49-8FF3-F8D4FDC3B676}" type="datetimeFigureOut">
               <a:rPr lang="en-IE" smtClean="0"/>
-              <a:t>03/12/2017</a:t>
+              <a:t>04/12/2017</a:t>
             </a:fld>
             <a:endParaRPr lang="en-IE"/>
           </a:p>
@@ -14427,6 +14429,364 @@
           <a:p>
             <a:r>
               <a:rPr lang="en-IE" altLang="en-US" dirty="0"/>
+              <a:t>Demonstration</a:t>
+            </a:r>
+            <a:endParaRPr lang="en-US" altLang="en-US" dirty="0"/>
+          </a:p>
+        </p:txBody>
+      </p:sp>
+      <p:sp>
+        <p:nvSpPr>
+          <p:cNvPr id="10243" name="Rectangle 3"/>
+          <p:cNvSpPr>
+            <a:spLocks noGrp="1" noChangeArrowheads="1"/>
+          </p:cNvSpPr>
+          <p:nvPr>
+            <p:ph type="body" idx="1"/>
+          </p:nvPr>
+        </p:nvSpPr>
+        <p:spPr>
+          <a:xfrm>
+            <a:off x="1043608" y="1594600"/>
+            <a:ext cx="6777317" cy="4354680"/>
+          </a:xfrm>
+        </p:spPr>
+        <p:txBody>
+          <a:bodyPr/>
+          <a:lstStyle/>
+          <a:p>
+            <a:r>
+              <a:rPr lang="en-IE" altLang="en-US" dirty="0" smtClean="0">
+                <a:latin typeface="Arial" panose="020B0604020202020204" pitchFamily="34" charset="0"/>
+                <a:cs typeface="Arial" panose="020B0604020202020204" pitchFamily="34" charset="0"/>
+              </a:rPr>
+              <a:t>GUI</a:t>
+            </a:r>
+          </a:p>
+          <a:p>
+            <a:endParaRPr lang="en-IE" altLang="en-US" dirty="0">
+              <a:latin typeface="Arial" panose="020B0604020202020204" pitchFamily="34" charset="0"/>
+              <a:cs typeface="Arial" panose="020B0604020202020204" pitchFamily="34" charset="0"/>
+            </a:endParaRPr>
+          </a:p>
+          <a:p>
+            <a:pPr marL="68580" indent="0">
+              <a:buNone/>
+            </a:pPr>
+            <a:r>
+              <a:rPr lang="en-IE" altLang="en-US" dirty="0" smtClean="0">
+                <a:latin typeface="Arial" panose="020B0604020202020204" pitchFamily="34" charset="0"/>
+                <a:cs typeface="Arial" panose="020B0604020202020204" pitchFamily="34" charset="0"/>
+              </a:rPr>
+              <a:t> </a:t>
+            </a:r>
+            <a:endParaRPr lang="en-US" altLang="en-US" dirty="0">
+              <a:latin typeface="Arial" panose="020B0604020202020204" pitchFamily="34" charset="0"/>
+              <a:cs typeface="Arial" panose="020B0604020202020204" pitchFamily="34" charset="0"/>
+            </a:endParaRPr>
+          </a:p>
+          <a:p>
+            <a:endParaRPr lang="en-IE" altLang="en-US" dirty="0">
+              <a:latin typeface="Arial" panose="020B0604020202020204" pitchFamily="34" charset="0"/>
+              <a:cs typeface="Arial" panose="020B0604020202020204" pitchFamily="34" charset="0"/>
+            </a:endParaRPr>
+          </a:p>
+          <a:p>
+            <a:endParaRPr lang="en-IE" altLang="en-US" dirty="0">
+              <a:latin typeface="Arial" panose="020B0604020202020204" pitchFamily="34" charset="0"/>
+              <a:cs typeface="Arial" panose="020B0604020202020204" pitchFamily="34" charset="0"/>
+            </a:endParaRPr>
+          </a:p>
+          <a:p>
+            <a:endParaRPr lang="en-IE" altLang="en-US" dirty="0">
+              <a:latin typeface="Arial" panose="020B0604020202020204" pitchFamily="34" charset="0"/>
+              <a:cs typeface="Arial" panose="020B0604020202020204" pitchFamily="34" charset="0"/>
+            </a:endParaRPr>
+          </a:p>
+          <a:p>
+            <a:endParaRPr lang="en-IE" altLang="en-US" dirty="0">
+              <a:latin typeface="Arial" panose="020B0604020202020204" pitchFamily="34" charset="0"/>
+              <a:cs typeface="Arial" panose="020B0604020202020204" pitchFamily="34" charset="0"/>
+            </a:endParaRPr>
+          </a:p>
+          <a:p>
+            <a:endParaRPr lang="en-IE" altLang="en-US" dirty="0">
+              <a:latin typeface="Arial" panose="020B0604020202020204" pitchFamily="34" charset="0"/>
+              <a:cs typeface="Arial" panose="020B0604020202020204" pitchFamily="34" charset="0"/>
+            </a:endParaRPr>
+          </a:p>
+          <a:p>
+            <a:endParaRPr lang="en-US" altLang="en-US" dirty="0">
+              <a:latin typeface="Arial" panose="020B0604020202020204" pitchFamily="34" charset="0"/>
+              <a:cs typeface="Arial" panose="020B0604020202020204" pitchFamily="34" charset="0"/>
+            </a:endParaRPr>
+          </a:p>
+        </p:txBody>
+      </p:sp>
+      <p:pic>
+        <p:nvPicPr>
+          <p:cNvPr id="5" name="Picture 4" descr="C:\Users\Paul\Documents\NewsHome.png"/>
+          <p:cNvPicPr/>
+          <p:nvPr/>
+        </p:nvPicPr>
+        <p:blipFill>
+          <a:blip r:embed="rId2">
+            <a:extLst>
+              <a:ext uri="{28A0092B-C50C-407E-A947-70E740481C1C}">
+                <a14:useLocalDpi xmlns:a14="http://schemas.microsoft.com/office/drawing/2010/main" val="0"/>
+              </a:ext>
+            </a:extLst>
+          </a:blip>
+          <a:srcRect/>
+          <a:stretch>
+            <a:fillRect/>
+          </a:stretch>
+        </p:blipFill>
+        <p:spPr bwMode="auto">
+          <a:xfrm>
+            <a:off x="1259632" y="2060848"/>
+            <a:ext cx="6664704" cy="3952875"/>
+          </a:xfrm>
+          <a:prstGeom prst="rect">
+            <a:avLst/>
+          </a:prstGeom>
+          <a:noFill/>
+          <a:ln>
+            <a:noFill/>
+          </a:ln>
+        </p:spPr>
+      </p:pic>
+    </p:spTree>
+    <p:extLst>
+      <p:ext uri="{BB962C8B-B14F-4D97-AF65-F5344CB8AC3E}">
+        <p14:creationId xmlns:p14="http://schemas.microsoft.com/office/powerpoint/2010/main" val="1465737465"/>
+      </p:ext>
+    </p:extLst>
+  </p:cSld>
+  <p:clrMapOvr>
+    <a:masterClrMapping/>
+  </p:clrMapOvr>
+</p:sld>
+</file>
+
+<file path=ppt/slides/slide11.xml><?xml version="1.0" encoding="utf-8"?>
+<p:sld xmlns:a="http://schemas.openxmlformats.org/drawingml/2006/main" xmlns:r="http://schemas.openxmlformats.org/officeDocument/2006/relationships" xmlns:p="http://schemas.openxmlformats.org/presentationml/2006/main">
+  <p:cSld>
+    <p:spTree>
+      <p:nvGrpSpPr>
+        <p:cNvPr id="1" name=""/>
+        <p:cNvGrpSpPr/>
+        <p:nvPr/>
+      </p:nvGrpSpPr>
+      <p:grpSpPr>
+        <a:xfrm>
+          <a:off x="0" y="0"/>
+          <a:ext cx="0" cy="0"/>
+          <a:chOff x="0" y="0"/>
+          <a:chExt cx="0" cy="0"/>
+        </a:xfrm>
+      </p:grpSpPr>
+      <p:sp>
+        <p:nvSpPr>
+          <p:cNvPr id="10242" name="Rectangle 2"/>
+          <p:cNvSpPr>
+            <a:spLocks noGrp="1" noChangeArrowheads="1"/>
+          </p:cNvSpPr>
+          <p:nvPr>
+            <p:ph type="title"/>
+          </p:nvPr>
+        </p:nvSpPr>
+        <p:spPr>
+          <a:xfrm>
+            <a:off x="899592" y="836712"/>
+            <a:ext cx="7024744" cy="757888"/>
+          </a:xfrm>
+        </p:spPr>
+        <p:txBody>
+          <a:bodyPr/>
+          <a:lstStyle/>
+          <a:p>
+            <a:r>
+              <a:rPr lang="en-IE" altLang="en-US" dirty="0"/>
+              <a:t>Going Forward</a:t>
+            </a:r>
+            <a:endParaRPr lang="en-US" altLang="en-US" dirty="0"/>
+          </a:p>
+        </p:txBody>
+      </p:sp>
+      <p:sp>
+        <p:nvSpPr>
+          <p:cNvPr id="10243" name="Rectangle 3"/>
+          <p:cNvSpPr>
+            <a:spLocks noGrp="1" noChangeArrowheads="1"/>
+          </p:cNvSpPr>
+          <p:nvPr>
+            <p:ph type="body" idx="1"/>
+          </p:nvPr>
+        </p:nvSpPr>
+        <p:spPr>
+          <a:xfrm>
+            <a:off x="1043608" y="1124744"/>
+            <a:ext cx="6777317" cy="4752527"/>
+          </a:xfrm>
+        </p:spPr>
+        <p:txBody>
+          <a:bodyPr/>
+          <a:lstStyle/>
+          <a:p>
+            <a:endParaRPr lang="en-IE" altLang="en-US" dirty="0"/>
+          </a:p>
+          <a:p>
+            <a:r>
+              <a:rPr lang="en-IE" altLang="en-US" dirty="0">
+                <a:latin typeface="Arial" panose="020B0604020202020204" pitchFamily="34" charset="0"/>
+                <a:cs typeface="Arial" panose="020B0604020202020204" pitchFamily="34" charset="0"/>
+              </a:rPr>
+              <a:t>Project Plan</a:t>
+            </a:r>
+          </a:p>
+          <a:p>
+            <a:endParaRPr lang="en-IE" altLang="en-US" dirty="0">
+              <a:latin typeface="Arial" panose="020B0604020202020204" pitchFamily="34" charset="0"/>
+              <a:cs typeface="Arial" panose="020B0604020202020204" pitchFamily="34" charset="0"/>
+            </a:endParaRPr>
+          </a:p>
+          <a:p>
+            <a:endParaRPr lang="en-IE" altLang="en-US" dirty="0">
+              <a:latin typeface="Arial" panose="020B0604020202020204" pitchFamily="34" charset="0"/>
+              <a:cs typeface="Arial" panose="020B0604020202020204" pitchFamily="34" charset="0"/>
+            </a:endParaRPr>
+          </a:p>
+          <a:p>
+            <a:endParaRPr lang="en-IE" altLang="en-US" dirty="0">
+              <a:latin typeface="Arial" panose="020B0604020202020204" pitchFamily="34" charset="0"/>
+              <a:cs typeface="Arial" panose="020B0604020202020204" pitchFamily="34" charset="0"/>
+            </a:endParaRPr>
+          </a:p>
+          <a:p>
+            <a:endParaRPr lang="en-IE" altLang="en-US" dirty="0">
+              <a:latin typeface="Arial" panose="020B0604020202020204" pitchFamily="34" charset="0"/>
+              <a:cs typeface="Arial" panose="020B0604020202020204" pitchFamily="34" charset="0"/>
+            </a:endParaRPr>
+          </a:p>
+          <a:p>
+            <a:endParaRPr lang="en-IE" altLang="en-US" b="1" dirty="0">
+              <a:latin typeface="Arial" panose="020B0604020202020204" pitchFamily="34" charset="0"/>
+              <a:cs typeface="Arial" panose="020B0604020202020204" pitchFamily="34" charset="0"/>
+            </a:endParaRPr>
+          </a:p>
+          <a:p>
+            <a:endParaRPr lang="en-IE" altLang="en-US" b="1" dirty="0">
+              <a:latin typeface="Arial" panose="020B0604020202020204" pitchFamily="34" charset="0"/>
+              <a:cs typeface="Arial" panose="020B0604020202020204" pitchFamily="34" charset="0"/>
+            </a:endParaRPr>
+          </a:p>
+          <a:p>
+            <a:r>
+              <a:rPr lang="en-IE" altLang="en-US" b="1" dirty="0">
+                <a:latin typeface="Arial" panose="020B0604020202020204" pitchFamily="34" charset="0"/>
+                <a:cs typeface="Arial" panose="020B0604020202020204" pitchFamily="34" charset="0"/>
+              </a:rPr>
+              <a:t>Explain next steps</a:t>
+            </a:r>
+            <a:endParaRPr lang="en-US" altLang="en-US" b="1" dirty="0">
+              <a:latin typeface="Arial" panose="020B0604020202020204" pitchFamily="34" charset="0"/>
+              <a:cs typeface="Arial" panose="020B0604020202020204" pitchFamily="34" charset="0"/>
+            </a:endParaRPr>
+          </a:p>
+        </p:txBody>
+      </p:sp>
+      <p:pic>
+        <p:nvPicPr>
+          <p:cNvPr id="4" name="Picture 3" descr="C:\Users\Paul\AppData\Local\Microsoft\Windows\INetCache\Content.Word\gant.png">
+            <a:extLst>
+              <a:ext uri="{FF2B5EF4-FFF2-40B4-BE49-F238E27FC236}">
+                <a16:creationId xmlns:a16="http://schemas.microsoft.com/office/drawing/2014/main" id="{7D34F4FB-6165-4EF3-AD55-FED7BF9A648D}"/>
+              </a:ext>
+            </a:extLst>
+          </p:cNvPr>
+          <p:cNvPicPr/>
+          <p:nvPr/>
+        </p:nvPicPr>
+        <p:blipFill>
+          <a:blip r:embed="rId2">
+            <a:extLst>
+              <a:ext uri="{28A0092B-C50C-407E-A947-70E740481C1C}">
+                <a14:useLocalDpi xmlns:a14="http://schemas.microsoft.com/office/drawing/2010/main" val="0"/>
+              </a:ext>
+            </a:extLst>
+          </a:blip>
+          <a:srcRect/>
+          <a:stretch>
+            <a:fillRect/>
+          </a:stretch>
+        </p:blipFill>
+        <p:spPr bwMode="auto">
+          <a:xfrm>
+            <a:off x="1331640" y="2194854"/>
+            <a:ext cx="5184576" cy="2098241"/>
+          </a:xfrm>
+          <a:prstGeom prst="rect">
+            <a:avLst/>
+          </a:prstGeom>
+          <a:noFill/>
+          <a:ln>
+            <a:noFill/>
+          </a:ln>
+        </p:spPr>
+      </p:pic>
+    </p:spTree>
+    <p:extLst>
+      <p:ext uri="{BB962C8B-B14F-4D97-AF65-F5344CB8AC3E}">
+        <p14:creationId xmlns:p14="http://schemas.microsoft.com/office/powerpoint/2010/main" val="2028947927"/>
+      </p:ext>
+    </p:extLst>
+  </p:cSld>
+  <p:clrMapOvr>
+    <a:masterClrMapping/>
+  </p:clrMapOvr>
+</p:sld>
+</file>
+
+<file path=ppt/slides/slide12.xml><?xml version="1.0" encoding="utf-8"?>
+<p:sld xmlns:a="http://schemas.openxmlformats.org/drawingml/2006/main" xmlns:r="http://schemas.openxmlformats.org/officeDocument/2006/relationships" xmlns:p="http://schemas.openxmlformats.org/presentationml/2006/main">
+  <p:cSld>
+    <p:spTree>
+      <p:nvGrpSpPr>
+        <p:cNvPr id="1" name=""/>
+        <p:cNvGrpSpPr/>
+        <p:nvPr/>
+      </p:nvGrpSpPr>
+      <p:grpSpPr>
+        <a:xfrm>
+          <a:off x="0" y="0"/>
+          <a:ext cx="0" cy="0"/>
+          <a:chOff x="0" y="0"/>
+          <a:chExt cx="0" cy="0"/>
+        </a:xfrm>
+      </p:grpSpPr>
+      <p:sp>
+        <p:nvSpPr>
+          <p:cNvPr id="10242" name="Rectangle 2"/>
+          <p:cNvSpPr>
+            <a:spLocks noGrp="1" noChangeArrowheads="1"/>
+          </p:cNvSpPr>
+          <p:nvPr>
+            <p:ph type="title"/>
+          </p:nvPr>
+        </p:nvSpPr>
+        <p:spPr>
+          <a:xfrm>
+            <a:off x="899592" y="836712"/>
+            <a:ext cx="7024744" cy="757888"/>
+          </a:xfrm>
+        </p:spPr>
+        <p:txBody>
+          <a:bodyPr/>
+          <a:lstStyle/>
+          <a:p>
+            <a:r>
+              <a:rPr lang="en-IE" altLang="en-US" dirty="0"/>
               <a:t>Discussion</a:t>
             </a:r>
             <a:endParaRPr lang="en-US" altLang="en-US" dirty="0"/>
@@ -15543,21 +15903,41 @@
               <a:cs typeface="Arial" panose="020B0604020202020204" pitchFamily="34" charset="0"/>
             </a:endParaRPr>
           </a:p>
-          <a:p>
-            <a:r>
-              <a:rPr lang="en-IE" altLang="en-US" dirty="0">
-                <a:latin typeface="Arial" panose="020B0604020202020204" pitchFamily="34" charset="0"/>
-                <a:cs typeface="Arial" panose="020B0604020202020204" pitchFamily="34" charset="0"/>
-              </a:rPr>
-              <a:t>Demo of Prototype</a:t>
-            </a:r>
-            <a:endParaRPr lang="en-US" altLang="en-US" dirty="0">
-              <a:latin typeface="Arial" panose="020B0604020202020204" pitchFamily="34" charset="0"/>
-              <a:cs typeface="Arial" panose="020B0604020202020204" pitchFamily="34" charset="0"/>
-            </a:endParaRPr>
-          </a:p>
         </p:txBody>
       </p:sp>
+      <p:pic>
+        <p:nvPicPr>
+          <p:cNvPr id="5" name="Picture 4" descr="C:\Users\Paul\Documents\NewsLog.png"/>
+          <p:cNvPicPr/>
+          <p:nvPr/>
+        </p:nvPicPr>
+        <p:blipFill>
+          <a:blip r:embed="rId2">
+            <a:extLst>
+              <a:ext uri="{28A0092B-C50C-407E-A947-70E740481C1C}">
+                <a14:useLocalDpi xmlns:a14="http://schemas.microsoft.com/office/drawing/2010/main" val="0"/>
+              </a:ext>
+            </a:extLst>
+          </a:blip>
+          <a:srcRect/>
+          <a:stretch>
+            <a:fillRect/>
+          </a:stretch>
+        </p:blipFill>
+        <p:spPr bwMode="auto">
+          <a:xfrm>
+            <a:off x="1331640" y="2132856"/>
+            <a:ext cx="6489285" cy="3168352"/>
+          </a:xfrm>
+          <a:prstGeom prst="rect">
+            <a:avLst/>
+          </a:prstGeom>
+          <a:noFill/>
+          <a:ln>
+            <a:noFill/>
+          </a:ln>
+        </p:spPr>
+      </p:pic>
     </p:spTree>
     <p:extLst>
       <p:ext uri="{BB962C8B-B14F-4D97-AF65-F5344CB8AC3E}">
@@ -15610,7 +15990,7 @@
           <a:p>
             <a:r>
               <a:rPr lang="en-IE" altLang="en-US" dirty="0"/>
-              <a:t>Going Forward</a:t>
+              <a:t>Demonstration</a:t>
             </a:r>
             <a:endParaRPr lang="en-US" altLang="en-US" dirty="0"/>
           </a:p>
@@ -15628,24 +16008,25 @@
         </p:nvSpPr>
         <p:spPr>
           <a:xfrm>
-            <a:off x="1043608" y="1124744"/>
-            <a:ext cx="6777317" cy="4752527"/>
+            <a:off x="1043608" y="1594600"/>
+            <a:ext cx="6777317" cy="4354680"/>
           </a:xfrm>
         </p:spPr>
         <p:txBody>
           <a:bodyPr/>
           <a:lstStyle/>
           <a:p>
-            <a:endParaRPr lang="en-IE" altLang="en-US" dirty="0"/>
-          </a:p>
-          <a:p>
             <a:r>
               <a:rPr lang="en-IE" altLang="en-US" dirty="0">
                 <a:latin typeface="Arial" panose="020B0604020202020204" pitchFamily="34" charset="0"/>
                 <a:cs typeface="Arial" panose="020B0604020202020204" pitchFamily="34" charset="0"/>
               </a:rPr>
-              <a:t>Project Plan</a:t>
+              <a:t>GUI </a:t>
             </a:r>
+            <a:endParaRPr lang="en-US" altLang="en-US" dirty="0">
+              <a:latin typeface="Arial" panose="020B0604020202020204" pitchFamily="34" charset="0"/>
+              <a:cs typeface="Arial" panose="020B0604020202020204" pitchFamily="34" charset="0"/>
+            </a:endParaRPr>
           </a:p>
           <a:p>
             <a:endParaRPr lang="en-IE" altLang="en-US" dirty="0">
@@ -15672,26 +16053,13 @@
             </a:endParaRPr>
           </a:p>
           <a:p>
-            <a:endParaRPr lang="en-IE" altLang="en-US" b="1" dirty="0">
+            <a:endParaRPr lang="en-IE" altLang="en-US" dirty="0">
               <a:latin typeface="Arial" panose="020B0604020202020204" pitchFamily="34" charset="0"/>
               <a:cs typeface="Arial" panose="020B0604020202020204" pitchFamily="34" charset="0"/>
             </a:endParaRPr>
           </a:p>
           <a:p>
-            <a:endParaRPr lang="en-IE" altLang="en-US" b="1" dirty="0">
-              <a:latin typeface="Arial" panose="020B0604020202020204" pitchFamily="34" charset="0"/>
-              <a:cs typeface="Arial" panose="020B0604020202020204" pitchFamily="34" charset="0"/>
-            </a:endParaRPr>
-          </a:p>
-          <a:p>
-            <a:r>
-              <a:rPr lang="en-IE" altLang="en-US" b="1" dirty="0">
-                <a:latin typeface="Arial" panose="020B0604020202020204" pitchFamily="34" charset="0"/>
-                <a:cs typeface="Arial" panose="020B0604020202020204" pitchFamily="34" charset="0"/>
-              </a:rPr>
-              <a:t>Explain next steps</a:t>
-            </a:r>
-            <a:endParaRPr lang="en-US" altLang="en-US" b="1" dirty="0">
+            <a:endParaRPr lang="en-US" altLang="en-US" dirty="0">
               <a:latin typeface="Arial" panose="020B0604020202020204" pitchFamily="34" charset="0"/>
               <a:cs typeface="Arial" panose="020B0604020202020204" pitchFamily="34" charset="0"/>
             </a:endParaRPr>
@@ -15700,13 +16068,7 @@
       </p:sp>
       <p:pic>
         <p:nvPicPr>
-          <p:cNvPr id="4" name="Picture 3" descr="C:\Users\Paul\AppData\Local\Microsoft\Windows\INetCache\Content.Word\gant.png">
-            <a:extLst>
-              <a:ext uri="{FF2B5EF4-FFF2-40B4-BE49-F238E27FC236}">
-                <a16:creationId xmlns:a16="http://schemas.microsoft.com/office/drawing/2014/main" id="{7D34F4FB-6165-4EF3-AD55-FED7BF9A648D}"/>
-              </a:ext>
-            </a:extLst>
-          </p:cNvPr>
+          <p:cNvPr id="6" name="Picture 5" descr="C:\Users\Paul\Documents\LogNews.png"/>
           <p:cNvPicPr/>
           <p:nvPr/>
         </p:nvPicPr>
@@ -15725,8 +16087,8 @@
         </p:blipFill>
         <p:spPr bwMode="auto">
           <a:xfrm>
-            <a:off x="1331640" y="2194854"/>
-            <a:ext cx="5184576" cy="2098241"/>
+            <a:off x="1619672" y="2132856"/>
+            <a:ext cx="5976664" cy="3600400"/>
           </a:xfrm>
           <a:prstGeom prst="rect">
             <a:avLst/>
@@ -15740,7 +16102,7 @@
     </p:spTree>
     <p:extLst>
       <p:ext uri="{BB962C8B-B14F-4D97-AF65-F5344CB8AC3E}">
-        <p14:creationId xmlns:p14="http://schemas.microsoft.com/office/powerpoint/2010/main" val="2028947927"/>
+        <p14:creationId xmlns:p14="http://schemas.microsoft.com/office/powerpoint/2010/main" val="2312771387"/>
       </p:ext>
     </p:extLst>
   </p:cSld>
